--- a/WhyYouNeedAzureFunctions.pptx
+++ b/WhyYouNeedAzureFunctions.pptx
@@ -15603,12 +15603,12 @@
           <a:p>
             <a:pPr algn="ctr"/>
             <a:r>
-              <a:rPr lang="en-US" sz="3000" b="1" dirty="0">
+              <a:rPr lang="en-US" sz="3200" b="1" dirty="0">
                 <a:solidFill>
                   <a:schemeClr val="bg1"/>
                 </a:solidFill>
               </a:rPr>
-              <a:t>https://github.com/jlattimer/WhyYouReallyNeedAzureFunctions</a:t>
+              <a:t>https://github.com/jlattimer/WhyYouNeedAzureFunctions</a:t>
             </a:r>
           </a:p>
         </p:txBody>
